--- a/IQC/test loi.pptx
+++ b/IQC/test loi.pptx
@@ -104,6 +104,11 @@
       </a:defRPr>
     </a:lvl9pPr>
   </p:defaultTextStyle>
+  <p:extLst>
+    <p:ext uri="{EFAFB233-063F-42B5-8137-9DF3F51BA10A}">
+      <p15:sldGuideLst xmlns:p15="http://schemas.microsoft.com/office/powerpoint/2012/main"/>
+    </p:ext>
+  </p:extLst>
 </p:presentation>
 </file>
 
@@ -1380,7 +1385,7 @@
           <a:p>
             <a:fld id="{1E49C6CC-677D-4EC6-85CD-8A3EDAB79281}" type="datetimeFigureOut">
               <a:rPr lang="en-US" smtClean="0"/>
-              <a:t>25/08/2024</a:t>
+              <a:t>26/08/2024</a:t>
             </a:fld>
             <a:endParaRPr lang="en-US"/>
           </a:p>
@@ -1550,7 +1555,7 @@
           <a:p>
             <a:fld id="{1E49C6CC-677D-4EC6-85CD-8A3EDAB79281}" type="datetimeFigureOut">
               <a:rPr lang="en-US" smtClean="0"/>
-              <a:t>25/08/2024</a:t>
+              <a:t>26/08/2024</a:t>
             </a:fld>
             <a:endParaRPr lang="en-US"/>
           </a:p>
@@ -1730,7 +1735,7 @@
           <a:p>
             <a:fld id="{1E49C6CC-677D-4EC6-85CD-8A3EDAB79281}" type="datetimeFigureOut">
               <a:rPr lang="en-US" smtClean="0"/>
-              <a:t>25/08/2024</a:t>
+              <a:t>26/08/2024</a:t>
             </a:fld>
             <a:endParaRPr lang="en-US"/>
           </a:p>
@@ -1900,7 +1905,7 @@
           <a:p>
             <a:fld id="{1E49C6CC-677D-4EC6-85CD-8A3EDAB79281}" type="datetimeFigureOut">
               <a:rPr lang="en-US" smtClean="0"/>
-              <a:t>25/08/2024</a:t>
+              <a:t>26/08/2024</a:t>
             </a:fld>
             <a:endParaRPr lang="en-US"/>
           </a:p>
@@ -2146,7 +2151,7 @@
           <a:p>
             <a:fld id="{1E49C6CC-677D-4EC6-85CD-8A3EDAB79281}" type="datetimeFigureOut">
               <a:rPr lang="en-US" smtClean="0"/>
-              <a:t>25/08/2024</a:t>
+              <a:t>26/08/2024</a:t>
             </a:fld>
             <a:endParaRPr lang="en-US"/>
           </a:p>
@@ -2378,7 +2383,7 @@
           <a:p>
             <a:fld id="{1E49C6CC-677D-4EC6-85CD-8A3EDAB79281}" type="datetimeFigureOut">
               <a:rPr lang="en-US" smtClean="0"/>
-              <a:t>25/08/2024</a:t>
+              <a:t>26/08/2024</a:t>
             </a:fld>
             <a:endParaRPr lang="en-US"/>
           </a:p>
@@ -2745,7 +2750,7 @@
           <a:p>
             <a:fld id="{1E49C6CC-677D-4EC6-85CD-8A3EDAB79281}" type="datetimeFigureOut">
               <a:rPr lang="en-US" smtClean="0"/>
-              <a:t>25/08/2024</a:t>
+              <a:t>26/08/2024</a:t>
             </a:fld>
             <a:endParaRPr lang="en-US"/>
           </a:p>
@@ -2863,7 +2868,7 @@
           <a:p>
             <a:fld id="{1E49C6CC-677D-4EC6-85CD-8A3EDAB79281}" type="datetimeFigureOut">
               <a:rPr lang="en-US" smtClean="0"/>
-              <a:t>25/08/2024</a:t>
+              <a:t>26/08/2024</a:t>
             </a:fld>
             <a:endParaRPr lang="en-US"/>
           </a:p>
@@ -2958,7 +2963,7 @@
           <a:p>
             <a:fld id="{1E49C6CC-677D-4EC6-85CD-8A3EDAB79281}" type="datetimeFigureOut">
               <a:rPr lang="en-US" smtClean="0"/>
-              <a:t>25/08/2024</a:t>
+              <a:t>26/08/2024</a:t>
             </a:fld>
             <a:endParaRPr lang="en-US"/>
           </a:p>
@@ -3235,7 +3240,7 @@
           <a:p>
             <a:fld id="{1E49C6CC-677D-4EC6-85CD-8A3EDAB79281}" type="datetimeFigureOut">
               <a:rPr lang="en-US" smtClean="0"/>
-              <a:t>25/08/2024</a:t>
+              <a:t>26/08/2024</a:t>
             </a:fld>
             <a:endParaRPr lang="en-US"/>
           </a:p>
@@ -3488,7 +3493,7 @@
           <a:p>
             <a:fld id="{1E49C6CC-677D-4EC6-85CD-8A3EDAB79281}" type="datetimeFigureOut">
               <a:rPr lang="en-US" smtClean="0"/>
-              <a:t>25/08/2024</a:t>
+              <a:t>26/08/2024</a:t>
             </a:fld>
             <a:endParaRPr lang="en-US"/>
           </a:p>
@@ -3701,7 +3706,7 @@
           <a:p>
             <a:fld id="{1E49C6CC-677D-4EC6-85CD-8A3EDAB79281}" type="datetimeFigureOut">
               <a:rPr lang="en-US" smtClean="0"/>
-              <a:t>25/08/2024</a:t>
+              <a:t>26/08/2024</a:t>
             </a:fld>
             <a:endParaRPr lang="en-US"/>
           </a:p>
@@ -4443,11 +4448,6 @@
                 </a:rPr>
                 <a:t>5</a:t>
               </a:r>
-              <a:endParaRPr lang="en-US" sz="1200" b="1" dirty="0">
-                <a:solidFill>
-                  <a:schemeClr val="tx1"/>
-                </a:solidFill>
-              </a:endParaRPr>
             </a:p>
           </p:txBody>
         </p:sp>
@@ -4968,11 +4968,6 @@
               </a:rPr>
               <a:t>1</a:t>
             </a:r>
-            <a:endParaRPr lang="en-US" sz="1200" b="1" dirty="0">
-              <a:solidFill>
-                <a:schemeClr val="tx1"/>
-              </a:solidFill>
-            </a:endParaRPr>
           </a:p>
         </p:txBody>
       </p:sp>
@@ -4984,8 +4979,8 @@
         </p:nvSpPr>
         <p:spPr>
           <a:xfrm>
-            <a:off x="2471948" y="1270145"/>
-            <a:ext cx="525780" cy="188691"/>
+            <a:off x="2471948" y="1275920"/>
+            <a:ext cx="525780" cy="182916"/>
           </a:xfrm>
           <a:prstGeom prst="rect">
             <a:avLst/>
@@ -5024,11 +5019,6 @@
               </a:rPr>
               <a:t>1</a:t>
             </a:r>
-            <a:endParaRPr lang="en-US" sz="1200" b="1" dirty="0">
-              <a:solidFill>
-                <a:schemeClr val="tx1"/>
-              </a:solidFill>
-            </a:endParaRPr>
           </a:p>
         </p:txBody>
       </p:sp>
@@ -5136,11 +5126,6 @@
               </a:rPr>
               <a:t>3</a:t>
             </a:r>
-            <a:endParaRPr lang="en-US" sz="1200" b="1" dirty="0">
-              <a:solidFill>
-                <a:schemeClr val="tx1"/>
-              </a:solidFill>
-            </a:endParaRPr>
           </a:p>
         </p:txBody>
       </p:sp>
@@ -5208,10 +5193,10 @@
         </p:nvGrpSpPr>
         <p:grpSpPr>
           <a:xfrm>
-            <a:off x="772376" y="2438955"/>
-            <a:ext cx="3428849" cy="488176"/>
-            <a:chOff x="565538" y="1740361"/>
-            <a:chExt cx="3428849" cy="573399"/>
+            <a:off x="772376" y="2435175"/>
+            <a:ext cx="3428004" cy="491955"/>
+            <a:chOff x="565538" y="1735922"/>
+            <a:chExt cx="3428004" cy="577838"/>
           </a:xfrm>
         </p:grpSpPr>
         <p:sp>
@@ -5683,7 +5668,7 @@
           </p:nvSpPr>
           <p:spPr>
             <a:xfrm>
-              <a:off x="3070441" y="1780811"/>
+              <a:off x="3069596" y="1735922"/>
               <a:ext cx="923946" cy="318462"/>
             </a:xfrm>
             <a:prstGeom prst="rect">
@@ -5732,38 +5717,179 @@
           </p:txBody>
         </p:sp>
       </p:grpSp>
+      <p:sp>
+        <p:nvSpPr>
+          <p:cNvPr id="43" name="Rectangle 42"/>
+          <p:cNvSpPr/>
+          <p:nvPr/>
+        </p:nvSpPr>
+        <p:spPr>
+          <a:xfrm>
+            <a:off x="3085985" y="1443254"/>
+            <a:ext cx="638670" cy="338817"/>
+          </a:xfrm>
+          <a:prstGeom prst="rect">
+            <a:avLst/>
+          </a:prstGeom>
+          <a:noFill/>
+          <a:ln>
+            <a:noFill/>
+          </a:ln>
+        </p:spPr>
+        <p:style>
+          <a:lnRef idx="2">
+            <a:schemeClr val="accent1">
+              <a:shade val="50000"/>
+            </a:schemeClr>
+          </a:lnRef>
+          <a:fillRef idx="1">
+            <a:schemeClr val="accent1"/>
+          </a:fillRef>
+          <a:effectRef idx="0">
+            <a:schemeClr val="accent1"/>
+          </a:effectRef>
+          <a:fontRef idx="minor">
+            <a:schemeClr val="lt1"/>
+          </a:fontRef>
+        </p:style>
+        <p:txBody>
+          <a:bodyPr rtlCol="0" anchor="ctr"/>
+          <a:lstStyle/>
+          <a:p>
+            <a:pPr algn="ctr"/>
+            <a:r>
+              <a:rPr lang="en-US" sz="1400" b="1" dirty="0" smtClean="0">
+                <a:solidFill>
+                  <a:schemeClr val="tx1"/>
+                </a:solidFill>
+              </a:rPr>
+              <a:t>FY.22</a:t>
+            </a:r>
+            <a:endParaRPr lang="en-US" sz="1400" b="1" dirty="0">
+              <a:solidFill>
+                <a:schemeClr val="tx1"/>
+              </a:solidFill>
+            </a:endParaRPr>
+          </a:p>
+        </p:txBody>
+      </p:sp>
+      <p:sp>
+        <p:nvSpPr>
+          <p:cNvPr id="44" name="Rectangle 43"/>
+          <p:cNvSpPr/>
+          <p:nvPr/>
+        </p:nvSpPr>
+        <p:spPr>
+          <a:xfrm>
+            <a:off x="3810752" y="1443255"/>
+            <a:ext cx="640575" cy="338817"/>
+          </a:xfrm>
+          <a:prstGeom prst="rect">
+            <a:avLst/>
+          </a:prstGeom>
+          <a:noFill/>
+          <a:ln>
+            <a:noFill/>
+          </a:ln>
+        </p:spPr>
+        <p:style>
+          <a:lnRef idx="2">
+            <a:schemeClr val="accent1">
+              <a:shade val="50000"/>
+            </a:schemeClr>
+          </a:lnRef>
+          <a:fillRef idx="1">
+            <a:schemeClr val="accent1"/>
+          </a:fillRef>
+          <a:effectRef idx="0">
+            <a:schemeClr val="accent1"/>
+          </a:effectRef>
+          <a:fontRef idx="minor">
+            <a:schemeClr val="lt1"/>
+          </a:fontRef>
+        </p:style>
+        <p:txBody>
+          <a:bodyPr rtlCol="0" anchor="ctr"/>
+          <a:lstStyle/>
+          <a:p>
+            <a:pPr algn="ctr"/>
+            <a:r>
+              <a:rPr lang="en-US" sz="1400" b="1" dirty="0" smtClean="0">
+                <a:solidFill>
+                  <a:schemeClr val="tx1"/>
+                </a:solidFill>
+              </a:rPr>
+              <a:t>FY.23</a:t>
+            </a:r>
+            <a:endParaRPr lang="en-US" sz="1400" b="1" dirty="0">
+              <a:solidFill>
+                <a:schemeClr val="tx1"/>
+              </a:solidFill>
+            </a:endParaRPr>
+          </a:p>
+        </p:txBody>
+      </p:sp>
+      <p:cxnSp>
+        <p:nvCxnSpPr>
+          <p:cNvPr id="42" name="Straight Connector 41"/>
+          <p:cNvCxnSpPr/>
+          <p:nvPr/>
+        </p:nvCxnSpPr>
+        <p:spPr>
+          <a:xfrm>
+            <a:off x="3119759" y="1456274"/>
+            <a:ext cx="1195286" cy="0"/>
+          </a:xfrm>
+          <a:prstGeom prst="line">
+            <a:avLst/>
+          </a:prstGeom>
+        </p:spPr>
+        <p:style>
+          <a:lnRef idx="1">
+            <a:schemeClr val="accent1"/>
+          </a:lnRef>
+          <a:fillRef idx="0">
+            <a:schemeClr val="accent1"/>
+          </a:fillRef>
+          <a:effectRef idx="0">
+            <a:schemeClr val="accent1"/>
+          </a:effectRef>
+          <a:fontRef idx="minor">
+            <a:schemeClr val="tx1"/>
+          </a:fontRef>
+        </p:style>
+      </p:cxnSp>
       <p:grpSp>
         <p:nvGrpSpPr>
-          <p:cNvPr id="74" name="Group 73"/>
+          <p:cNvPr id="71" name="Group 70"/>
           <p:cNvGrpSpPr/>
           <p:nvPr/>
         </p:nvGrpSpPr>
         <p:grpSpPr>
           <a:xfrm>
-            <a:off x="3085985" y="533965"/>
-            <a:ext cx="1365342" cy="1248107"/>
-            <a:chOff x="3548422" y="271439"/>
-            <a:chExt cx="1365342" cy="1248107"/>
+            <a:off x="3156924" y="561743"/>
+            <a:ext cx="1133381" cy="988765"/>
+            <a:chOff x="4112068" y="508572"/>
+            <a:chExt cx="1133381" cy="779410"/>
           </a:xfrm>
         </p:grpSpPr>
         <p:sp>
           <p:nvSpPr>
-            <p:cNvPr id="43" name="Rectangle 42"/>
+            <p:cNvPr id="50" name="Rectangle 49"/>
             <p:cNvSpPr/>
             <p:nvPr/>
           </p:nvSpPr>
           <p:spPr>
             <a:xfrm>
-              <a:off x="3548422" y="1180728"/>
-              <a:ext cx="638670" cy="338817"/>
+              <a:off x="4778973" y="1022751"/>
+              <a:ext cx="466476" cy="100538"/>
             </a:xfrm>
             <a:prstGeom prst="rect">
               <a:avLst/>
             </a:prstGeom>
-            <a:noFill/>
-            <a:ln>
-              <a:noFill/>
-            </a:ln>
+            <a:solidFill>
+              <a:schemeClr val="accent1"/>
+            </a:solidFill>
           </p:spPr>
           <p:style>
             <a:lnRef idx="2">
@@ -5786,71 +5912,7 @@
             <a:lstStyle/>
             <a:p>
               <a:pPr algn="ctr"/>
-              <a:r>
-                <a:rPr lang="en-US" sz="1400" b="1" dirty="0" smtClean="0">
-                  <a:solidFill>
-                    <a:schemeClr val="tx1"/>
-                  </a:solidFill>
-                </a:rPr>
-                <a:t>FY.22</a:t>
-              </a:r>
-              <a:endParaRPr lang="en-US" sz="1400" b="1" dirty="0">
-                <a:solidFill>
-                  <a:schemeClr val="tx1"/>
-                </a:solidFill>
-              </a:endParaRPr>
-            </a:p>
-          </p:txBody>
-        </p:sp>
-        <p:sp>
-          <p:nvSpPr>
-            <p:cNvPr id="44" name="Rectangle 43"/>
-            <p:cNvSpPr/>
-            <p:nvPr/>
-          </p:nvSpPr>
-          <p:spPr>
-            <a:xfrm>
-              <a:off x="4273189" y="1180729"/>
-              <a:ext cx="640575" cy="338817"/>
-            </a:xfrm>
-            <a:prstGeom prst="rect">
-              <a:avLst/>
-            </a:prstGeom>
-            <a:noFill/>
-            <a:ln>
-              <a:noFill/>
-            </a:ln>
-          </p:spPr>
-          <p:style>
-            <a:lnRef idx="2">
-              <a:schemeClr val="accent1">
-                <a:shade val="50000"/>
-              </a:schemeClr>
-            </a:lnRef>
-            <a:fillRef idx="1">
-              <a:schemeClr val="accent1"/>
-            </a:fillRef>
-            <a:effectRef idx="0">
-              <a:schemeClr val="accent1"/>
-            </a:effectRef>
-            <a:fontRef idx="minor">
-              <a:schemeClr val="lt1"/>
-            </a:fontRef>
-          </p:style>
-          <p:txBody>
-            <a:bodyPr rtlCol="0" anchor="ctr"/>
-            <a:lstStyle/>
-            <a:p>
-              <a:pPr algn="ctr"/>
-              <a:r>
-                <a:rPr lang="en-US" sz="1400" b="1" dirty="0" smtClean="0">
-                  <a:solidFill>
-                    <a:schemeClr val="tx1"/>
-                  </a:solidFill>
-                </a:rPr>
-                <a:t>FY.23</a:t>
-              </a:r>
-              <a:endParaRPr lang="en-US" sz="1400" b="1" dirty="0">
+              <a:endParaRPr lang="en-US" sz="1200" b="1">
                 <a:solidFill>
                   <a:schemeClr val="tx1"/>
                 </a:solidFill>
@@ -5860,501 +5922,392 @@
         </p:sp>
         <p:grpSp>
           <p:nvGrpSpPr>
-            <p:cNvPr id="72" name="Group 71"/>
+            <p:cNvPr id="70" name="Group 69"/>
             <p:cNvGrpSpPr/>
             <p:nvPr/>
           </p:nvGrpSpPr>
           <p:grpSpPr>
             <a:xfrm>
-              <a:off x="3582196" y="271439"/>
-              <a:ext cx="1195286" cy="1016543"/>
-              <a:chOff x="4074903" y="271439"/>
-              <a:chExt cx="1195286" cy="1016543"/>
+              <a:off x="4112068" y="508572"/>
+              <a:ext cx="1133381" cy="779410"/>
+              <a:chOff x="4112068" y="508572"/>
+              <a:chExt cx="1133381" cy="779410"/>
             </a:xfrm>
           </p:grpSpPr>
-          <p:cxnSp>
-            <p:nvCxnSpPr>
-              <p:cNvPr id="42" name="Straight Connector 41"/>
-              <p:cNvCxnSpPr/>
+          <p:sp>
+            <p:nvSpPr>
+              <p:cNvPr id="45" name="Rectangle 44"/>
+              <p:cNvSpPr/>
               <p:nvPr/>
-            </p:nvCxnSpPr>
+            </p:nvSpPr>
             <p:spPr>
               <a:xfrm>
-                <a:off x="4074903" y="1193748"/>
-                <a:ext cx="1195286" cy="0"/>
+                <a:off x="4115815" y="1133843"/>
+                <a:ext cx="466476" cy="67798"/>
               </a:xfrm>
-              <a:prstGeom prst="line">
+              <a:prstGeom prst="rect">
                 <a:avLst/>
               </a:prstGeom>
+              <a:solidFill>
+                <a:schemeClr val="accent4">
+                  <a:lumMod val="75000"/>
+                </a:schemeClr>
+              </a:solidFill>
             </p:spPr>
             <p:style>
-              <a:lnRef idx="1">
-                <a:schemeClr val="accent1"/>
+              <a:lnRef idx="2">
+                <a:schemeClr val="accent1">
+                  <a:shade val="50000"/>
+                </a:schemeClr>
               </a:lnRef>
-              <a:fillRef idx="0">
+              <a:fillRef idx="1">
                 <a:schemeClr val="accent1"/>
               </a:fillRef>
               <a:effectRef idx="0">
                 <a:schemeClr val="accent1"/>
               </a:effectRef>
               <a:fontRef idx="minor">
-                <a:schemeClr val="tx1"/>
+                <a:schemeClr val="lt1"/>
               </a:fontRef>
             </p:style>
-          </p:cxnSp>
-          <p:grpSp>
-            <p:nvGrpSpPr>
-              <p:cNvPr id="71" name="Group 70"/>
-              <p:cNvGrpSpPr/>
+            <p:txBody>
+              <a:bodyPr rtlCol="0" anchor="ctr"/>
+              <a:lstStyle/>
+              <a:p>
+                <a:pPr algn="ctr"/>
+                <a:endParaRPr lang="en-US"/>
+              </a:p>
+            </p:txBody>
+          </p:sp>
+          <p:sp>
+            <p:nvSpPr>
+              <p:cNvPr id="46" name="Rectangle 45"/>
+              <p:cNvSpPr/>
               <p:nvPr/>
-            </p:nvGrpSpPr>
-            <p:grpSpPr>
+            </p:nvSpPr>
+            <p:spPr>
               <a:xfrm>
-                <a:off x="4112068" y="271439"/>
-                <a:ext cx="1133381" cy="1016543"/>
-                <a:chOff x="4112068" y="271439"/>
-                <a:chExt cx="1133381" cy="1016543"/>
+                <a:off x="4119458" y="590917"/>
+                <a:ext cx="461378" cy="96012"/>
               </a:xfrm>
-            </p:grpSpPr>
-            <p:sp>
-              <p:nvSpPr>
-                <p:cNvPr id="50" name="Rectangle 49"/>
-                <p:cNvSpPr/>
-                <p:nvPr/>
-              </p:nvSpPr>
-              <p:spPr>
-                <a:xfrm>
-                  <a:off x="4778973" y="755112"/>
-                  <a:ext cx="466476" cy="337286"/>
-                </a:xfrm>
-                <a:prstGeom prst="rect">
-                  <a:avLst/>
-                </a:prstGeom>
-                <a:solidFill>
-                  <a:schemeClr val="accent5">
-                    <a:lumMod val="60000"/>
-                    <a:lumOff val="40000"/>
-                  </a:schemeClr>
-                </a:solidFill>
-              </p:spPr>
-              <p:style>
-                <a:lnRef idx="2">
-                  <a:schemeClr val="accent1">
-                    <a:shade val="50000"/>
-                  </a:schemeClr>
-                </a:lnRef>
-                <a:fillRef idx="1">
-                  <a:schemeClr val="accent1"/>
-                </a:fillRef>
-                <a:effectRef idx="0">
-                  <a:schemeClr val="accent1"/>
-                </a:effectRef>
-                <a:fontRef idx="minor">
-                  <a:schemeClr val="lt1"/>
-                </a:fontRef>
-              </p:style>
-              <p:txBody>
-                <a:bodyPr rtlCol="0" anchor="ctr"/>
-                <a:lstStyle/>
-                <a:p>
-                  <a:pPr algn="ctr"/>
-                  <a:endParaRPr lang="en-US"/>
-                </a:p>
-              </p:txBody>
-            </p:sp>
-            <p:grpSp>
-              <p:nvGrpSpPr>
-                <p:cNvPr id="70" name="Group 69"/>
-                <p:cNvGrpSpPr/>
-                <p:nvPr/>
-              </p:nvGrpSpPr>
-              <p:grpSpPr>
-                <a:xfrm>
-                  <a:off x="4112068" y="271439"/>
-                  <a:ext cx="1133381" cy="1016543"/>
-                  <a:chOff x="4112068" y="271439"/>
-                  <a:chExt cx="1133381" cy="1016543"/>
-                </a:xfrm>
-              </p:grpSpPr>
-              <p:sp>
-                <p:nvSpPr>
-                  <p:cNvPr id="45" name="Rectangle 44"/>
-                  <p:cNvSpPr/>
-                  <p:nvPr/>
-                </p:nvSpPr>
-                <p:spPr>
-                  <a:xfrm>
-                    <a:off x="4115815" y="1084983"/>
-                    <a:ext cx="466476" cy="96064"/>
-                  </a:xfrm>
-                  <a:prstGeom prst="rect">
-                    <a:avLst/>
-                  </a:prstGeom>
+              <a:prstGeom prst="rect">
+                <a:avLst/>
+              </a:prstGeom>
+              <a:solidFill>
+                <a:schemeClr val="accent3">
+                  <a:lumMod val="40000"/>
+                  <a:lumOff val="60000"/>
+                </a:schemeClr>
+              </a:solidFill>
+            </p:spPr>
+            <p:style>
+              <a:lnRef idx="2">
+                <a:schemeClr val="accent1">
+                  <a:shade val="50000"/>
+                </a:schemeClr>
+              </a:lnRef>
+              <a:fillRef idx="1">
+                <a:schemeClr val="accent1"/>
+              </a:fillRef>
+              <a:effectRef idx="0">
+                <a:schemeClr val="accent1"/>
+              </a:effectRef>
+              <a:fontRef idx="minor">
+                <a:schemeClr val="lt1"/>
+              </a:fontRef>
+            </p:style>
+            <p:txBody>
+              <a:bodyPr rtlCol="0" anchor="ctr"/>
+              <a:lstStyle/>
+              <a:p>
+                <a:pPr algn="ctr"/>
+                <a:endParaRPr lang="en-US"/>
+              </a:p>
+            </p:txBody>
+          </p:sp>
+          <p:sp>
+            <p:nvSpPr>
+              <p:cNvPr id="47" name="Rectangle 46"/>
+              <p:cNvSpPr/>
+              <p:nvPr/>
+            </p:nvSpPr>
+            <p:spPr>
+              <a:xfrm>
+                <a:off x="4115815" y="695059"/>
+                <a:ext cx="466476" cy="276828"/>
+              </a:xfrm>
+              <a:prstGeom prst="rect">
+                <a:avLst/>
+              </a:prstGeom>
+              <a:solidFill>
+                <a:schemeClr val="accent1"/>
+              </a:solidFill>
+            </p:spPr>
+            <p:style>
+              <a:lnRef idx="2">
+                <a:schemeClr val="accent1">
+                  <a:shade val="50000"/>
+                </a:schemeClr>
+              </a:lnRef>
+              <a:fillRef idx="1">
+                <a:schemeClr val="accent1"/>
+              </a:fillRef>
+              <a:effectRef idx="0">
+                <a:schemeClr val="accent1"/>
+              </a:effectRef>
+              <a:fontRef idx="minor">
+                <a:schemeClr val="lt1"/>
+              </a:fontRef>
+            </p:style>
+            <p:txBody>
+              <a:bodyPr rtlCol="0" anchor="ctr"/>
+              <a:lstStyle/>
+              <a:p>
+                <a:pPr algn="ctr"/>
+                <a:r>
+                  <a:rPr lang="en-US" sz="1200" b="1" dirty="0" smtClean="0">
+                    <a:solidFill>
+                      <a:schemeClr val="tx1"/>
+                    </a:solidFill>
+                  </a:rPr>
+                  <a:t>8</a:t>
+                </a:r>
+                <a:endParaRPr lang="en-US" sz="1200" b="1" dirty="0">
                   <a:solidFill>
-                    <a:schemeClr val="accent4">
-                      <a:lumMod val="75000"/>
-                    </a:schemeClr>
+                    <a:schemeClr val="tx1"/>
                   </a:solidFill>
-                </p:spPr>
-                <p:style>
-                  <a:lnRef idx="2">
-                    <a:schemeClr val="accent1">
-                      <a:shade val="50000"/>
-                    </a:schemeClr>
-                  </a:lnRef>
-                  <a:fillRef idx="1">
-                    <a:schemeClr val="accent1"/>
-                  </a:fillRef>
-                  <a:effectRef idx="0">
-                    <a:schemeClr val="accent1"/>
-                  </a:effectRef>
-                  <a:fontRef idx="minor">
-                    <a:schemeClr val="lt1"/>
-                  </a:fontRef>
-                </p:style>
-                <p:txBody>
-                  <a:bodyPr rtlCol="0" anchor="ctr"/>
-                  <a:lstStyle/>
-                  <a:p>
-                    <a:pPr algn="ctr"/>
-                    <a:endParaRPr lang="en-US"/>
-                  </a:p>
-                </p:txBody>
-              </p:sp>
-              <p:sp>
-                <p:nvSpPr>
-                  <p:cNvPr id="46" name="Rectangle 45"/>
-                  <p:cNvSpPr/>
-                  <p:nvPr/>
-                </p:nvSpPr>
-                <p:spPr>
-                  <a:xfrm>
-                    <a:off x="4120913" y="352554"/>
-                    <a:ext cx="461378" cy="45719"/>
-                  </a:xfrm>
-                  <a:prstGeom prst="rect">
-                    <a:avLst/>
-                  </a:prstGeom>
+                </a:endParaRPr>
+              </a:p>
+            </p:txBody>
+          </p:sp>
+          <p:sp>
+            <p:nvSpPr>
+              <p:cNvPr id="49" name="Rectangle 48"/>
+              <p:cNvSpPr/>
+              <p:nvPr/>
+            </p:nvSpPr>
+            <p:spPr>
+              <a:xfrm>
+                <a:off x="4778973" y="1125375"/>
+                <a:ext cx="466476" cy="76586"/>
+              </a:xfrm>
+              <a:prstGeom prst="rect">
+                <a:avLst/>
+              </a:prstGeom>
+              <a:solidFill>
+                <a:schemeClr val="accent4">
+                  <a:lumMod val="75000"/>
+                </a:schemeClr>
+              </a:solidFill>
+            </p:spPr>
+            <p:style>
+              <a:lnRef idx="2">
+                <a:schemeClr val="accent1">
+                  <a:shade val="50000"/>
+                </a:schemeClr>
+              </a:lnRef>
+              <a:fillRef idx="1">
+                <a:schemeClr val="accent1"/>
+              </a:fillRef>
+              <a:effectRef idx="0">
+                <a:schemeClr val="accent1"/>
+              </a:effectRef>
+              <a:fontRef idx="minor">
+                <a:schemeClr val="lt1"/>
+              </a:fontRef>
+            </p:style>
+            <p:txBody>
+              <a:bodyPr rtlCol="0" anchor="ctr"/>
+              <a:lstStyle/>
+              <a:p>
+                <a:pPr algn="ctr"/>
+                <a:endParaRPr lang="en-US"/>
+              </a:p>
+            </p:txBody>
+          </p:sp>
+          <p:sp>
+            <p:nvSpPr>
+              <p:cNvPr id="52" name="Rectangle 51"/>
+              <p:cNvSpPr/>
+              <p:nvPr/>
+            </p:nvSpPr>
+            <p:spPr>
+              <a:xfrm>
+                <a:off x="4112068" y="984452"/>
+                <a:ext cx="525780" cy="303530"/>
+              </a:xfrm>
+              <a:prstGeom prst="rect">
+                <a:avLst/>
+              </a:prstGeom>
+              <a:noFill/>
+              <a:ln>
+                <a:noFill/>
+              </a:ln>
+            </p:spPr>
+            <p:style>
+              <a:lnRef idx="2">
+                <a:schemeClr val="accent1">
+                  <a:shade val="50000"/>
+                </a:schemeClr>
+              </a:lnRef>
+              <a:fillRef idx="1">
+                <a:schemeClr val="accent1"/>
+              </a:fillRef>
+              <a:effectRef idx="0">
+                <a:schemeClr val="accent1"/>
+              </a:effectRef>
+              <a:fontRef idx="minor">
+                <a:schemeClr val="lt1"/>
+              </a:fontRef>
+            </p:style>
+            <p:txBody>
+              <a:bodyPr rtlCol="0" anchor="ctr"/>
+              <a:lstStyle/>
+              <a:p>
+                <a:pPr algn="ctr"/>
+                <a:endParaRPr lang="en-US" sz="1200" b="1" dirty="0">
                   <a:solidFill>
-                    <a:schemeClr val="accent3">
-                      <a:lumMod val="40000"/>
-                      <a:lumOff val="60000"/>
-                    </a:schemeClr>
+                    <a:schemeClr val="tx1"/>
                   </a:solidFill>
-                </p:spPr>
-                <p:style>
-                  <a:lnRef idx="2">
-                    <a:schemeClr val="accent1">
-                      <a:shade val="50000"/>
-                    </a:schemeClr>
-                  </a:lnRef>
-                  <a:fillRef idx="1">
-                    <a:schemeClr val="accent1"/>
-                  </a:fillRef>
-                  <a:effectRef idx="0">
-                    <a:schemeClr val="accent1"/>
-                  </a:effectRef>
-                  <a:fontRef idx="minor">
-                    <a:schemeClr val="lt1"/>
-                  </a:fontRef>
-                </p:style>
-                <p:txBody>
-                  <a:bodyPr rtlCol="0" anchor="ctr"/>
-                  <a:lstStyle/>
-                  <a:p>
-                    <a:pPr algn="ctr"/>
-                    <a:endParaRPr lang="en-US"/>
-                  </a:p>
-                </p:txBody>
-              </p:sp>
-              <p:sp>
-                <p:nvSpPr>
-                  <p:cNvPr id="47" name="Rectangle 46"/>
-                  <p:cNvSpPr/>
-                  <p:nvPr/>
-                </p:nvSpPr>
-                <p:spPr>
-                  <a:xfrm>
-                    <a:off x="4115815" y="413067"/>
-                    <a:ext cx="466476" cy="483262"/>
-                  </a:xfrm>
-                  <a:prstGeom prst="rect">
-                    <a:avLst/>
-                  </a:prstGeom>
-                  <a:solidFill>
-                    <a:schemeClr val="accent1"/>
-                  </a:solidFill>
-                </p:spPr>
-                <p:style>
-                  <a:lnRef idx="2">
-                    <a:schemeClr val="accent1">
-                      <a:shade val="50000"/>
-                    </a:schemeClr>
-                  </a:lnRef>
-                  <a:fillRef idx="1">
-                    <a:schemeClr val="accent1"/>
-                  </a:fillRef>
-                  <a:effectRef idx="0">
-                    <a:schemeClr val="accent1"/>
-                  </a:effectRef>
-                  <a:fontRef idx="minor">
-                    <a:schemeClr val="lt1"/>
-                  </a:fontRef>
-                </p:style>
-                <p:txBody>
-                  <a:bodyPr rtlCol="0" anchor="ctr"/>
-                  <a:lstStyle/>
-                  <a:p>
-                    <a:pPr algn="ctr"/>
-                    <a:r>
-                      <a:rPr lang="en-US" sz="1200" b="1" dirty="0" smtClean="0">
-                        <a:solidFill>
-                          <a:schemeClr val="tx1"/>
-                        </a:solidFill>
-                      </a:rPr>
-                      <a:t>8</a:t>
-                    </a:r>
-                    <a:endParaRPr lang="en-US" sz="1200" b="1" dirty="0">
-                      <a:solidFill>
-                        <a:schemeClr val="tx1"/>
-                      </a:solidFill>
-                    </a:endParaRPr>
-                  </a:p>
-                </p:txBody>
-              </p:sp>
-              <p:sp>
-                <p:nvSpPr>
-                  <p:cNvPr id="49" name="Rectangle 48"/>
-                  <p:cNvSpPr/>
-                  <p:nvPr/>
-                </p:nvSpPr>
-                <p:spPr>
-                  <a:xfrm>
-                    <a:off x="4778973" y="1104780"/>
-                    <a:ext cx="466476" cy="76586"/>
-                  </a:xfrm>
-                  <a:prstGeom prst="rect">
-                    <a:avLst/>
-                  </a:prstGeom>
-                  <a:solidFill>
-                    <a:schemeClr val="accent4">
-                      <a:lumMod val="75000"/>
-                    </a:schemeClr>
-                  </a:solidFill>
-                </p:spPr>
-                <p:style>
-                  <a:lnRef idx="2">
-                    <a:schemeClr val="accent1">
-                      <a:shade val="50000"/>
-                    </a:schemeClr>
-                  </a:lnRef>
-                  <a:fillRef idx="1">
-                    <a:schemeClr val="accent1"/>
-                  </a:fillRef>
-                  <a:effectRef idx="0">
-                    <a:schemeClr val="accent1"/>
-                  </a:effectRef>
-                  <a:fontRef idx="minor">
-                    <a:schemeClr val="lt1"/>
-                  </a:fontRef>
-                </p:style>
-                <p:txBody>
-                  <a:bodyPr rtlCol="0" anchor="ctr"/>
-                  <a:lstStyle/>
-                  <a:p>
-                    <a:pPr algn="ctr"/>
-                    <a:endParaRPr lang="en-US"/>
-                  </a:p>
-                </p:txBody>
-              </p:sp>
-              <p:sp>
-                <p:nvSpPr>
-                  <p:cNvPr id="52" name="Rectangle 51"/>
-                  <p:cNvSpPr/>
-                  <p:nvPr/>
-                </p:nvSpPr>
-                <p:spPr>
-                  <a:xfrm>
-                    <a:off x="4112068" y="984452"/>
-                    <a:ext cx="525780" cy="303530"/>
-                  </a:xfrm>
-                  <a:prstGeom prst="rect">
-                    <a:avLst/>
-                  </a:prstGeom>
-                  <a:noFill/>
-                  <a:ln>
-                    <a:noFill/>
-                  </a:ln>
-                </p:spPr>
-                <p:style>
-                  <a:lnRef idx="2">
-                    <a:schemeClr val="accent1">
-                      <a:shade val="50000"/>
-                    </a:schemeClr>
-                  </a:lnRef>
-                  <a:fillRef idx="1">
-                    <a:schemeClr val="accent1"/>
-                  </a:fillRef>
-                  <a:effectRef idx="0">
-                    <a:schemeClr val="accent1"/>
-                  </a:effectRef>
-                  <a:fontRef idx="minor">
-                    <a:schemeClr val="lt1"/>
-                  </a:fontRef>
-                </p:style>
-                <p:txBody>
-                  <a:bodyPr rtlCol="0" anchor="ctr"/>
-                  <a:lstStyle/>
-                  <a:p>
-                    <a:pPr algn="ctr"/>
-                    <a:endParaRPr lang="en-US" sz="1200" b="1" dirty="0">
-                      <a:solidFill>
-                        <a:schemeClr val="tx1"/>
-                      </a:solidFill>
-                    </a:endParaRPr>
-                  </a:p>
-                </p:txBody>
-              </p:sp>
-              <p:sp>
-                <p:nvSpPr>
-                  <p:cNvPr id="65" name="Rectangle 64"/>
-                  <p:cNvSpPr/>
-                  <p:nvPr/>
-                </p:nvSpPr>
-                <p:spPr>
-                  <a:xfrm>
-                    <a:off x="4112290" y="271439"/>
-                    <a:ext cx="475736" cy="68053"/>
-                  </a:xfrm>
-                  <a:prstGeom prst="rect">
-                    <a:avLst/>
-                  </a:prstGeom>
-                  <a:solidFill>
-                    <a:schemeClr val="accent4">
-                      <a:lumMod val="60000"/>
-                      <a:lumOff val="40000"/>
-                    </a:schemeClr>
-                  </a:solidFill>
-                </p:spPr>
-                <p:style>
-                  <a:lnRef idx="2">
-                    <a:schemeClr val="accent1">
-                      <a:shade val="50000"/>
-                    </a:schemeClr>
-                  </a:lnRef>
-                  <a:fillRef idx="1">
-                    <a:schemeClr val="accent1"/>
-                  </a:fillRef>
-                  <a:effectRef idx="0">
-                    <a:schemeClr val="accent1"/>
-                  </a:effectRef>
-                  <a:fontRef idx="minor">
-                    <a:schemeClr val="lt1"/>
-                  </a:fontRef>
-                </p:style>
-                <p:txBody>
-                  <a:bodyPr rtlCol="0" anchor="ctr"/>
-                  <a:lstStyle/>
-                  <a:p>
-                    <a:pPr algn="ctr"/>
-                    <a:endParaRPr lang="en-US"/>
-                  </a:p>
-                </p:txBody>
-              </p:sp>
-              <p:sp>
-                <p:nvSpPr>
-                  <p:cNvPr id="68" name="Rectangle 67"/>
-                  <p:cNvSpPr/>
-                  <p:nvPr/>
-                </p:nvSpPr>
-                <p:spPr>
-                  <a:xfrm flipV="1">
-                    <a:off x="4788259" y="521536"/>
-                    <a:ext cx="457190" cy="133465"/>
-                  </a:xfrm>
-                  <a:prstGeom prst="rect">
-                    <a:avLst/>
-                  </a:prstGeom>
-                  <a:solidFill>
-                    <a:schemeClr val="accent3">
-                      <a:lumMod val="40000"/>
-                      <a:lumOff val="60000"/>
-                    </a:schemeClr>
-                  </a:solidFill>
-                </p:spPr>
-                <p:style>
-                  <a:lnRef idx="2">
-                    <a:schemeClr val="accent1">
-                      <a:shade val="50000"/>
-                    </a:schemeClr>
-                  </a:lnRef>
-                  <a:fillRef idx="1">
-                    <a:schemeClr val="accent1"/>
-                  </a:fillRef>
-                  <a:effectRef idx="0">
-                    <a:schemeClr val="accent1"/>
-                  </a:effectRef>
-                  <a:fontRef idx="minor">
-                    <a:schemeClr val="lt1"/>
-                  </a:fontRef>
-                </p:style>
-                <p:txBody>
-                  <a:bodyPr rtlCol="0" anchor="ctr"/>
-                  <a:lstStyle/>
-                  <a:p>
-                    <a:pPr algn="ctr"/>
-                    <a:endParaRPr lang="en-US"/>
-                  </a:p>
-                </p:txBody>
-              </p:sp>
-              <p:sp>
-                <p:nvSpPr>
-                  <p:cNvPr id="69" name="Rectangle 68"/>
-                  <p:cNvSpPr/>
-                  <p:nvPr/>
-                </p:nvSpPr>
-                <p:spPr>
-                  <a:xfrm>
-                    <a:off x="4783021" y="642340"/>
-                    <a:ext cx="462428" cy="97857"/>
-                  </a:xfrm>
-                  <a:prstGeom prst="rect">
-                    <a:avLst/>
-                  </a:prstGeom>
-                  <a:solidFill>
-                    <a:schemeClr val="accent4">
-                      <a:lumMod val="60000"/>
-                      <a:lumOff val="40000"/>
-                    </a:schemeClr>
-                  </a:solidFill>
-                </p:spPr>
-                <p:style>
-                  <a:lnRef idx="2">
-                    <a:schemeClr val="accent1">
-                      <a:shade val="50000"/>
-                    </a:schemeClr>
-                  </a:lnRef>
-                  <a:fillRef idx="1">
-                    <a:schemeClr val="accent1"/>
-                  </a:fillRef>
-                  <a:effectRef idx="0">
-                    <a:schemeClr val="accent1"/>
-                  </a:effectRef>
-                  <a:fontRef idx="minor">
-                    <a:schemeClr val="lt1"/>
-                  </a:fontRef>
-                </p:style>
-                <p:txBody>
-                  <a:bodyPr rtlCol="0" anchor="ctr"/>
-                  <a:lstStyle/>
-                  <a:p>
-                    <a:pPr algn="ctr"/>
-                    <a:endParaRPr lang="en-US"/>
-                  </a:p>
-                </p:txBody>
-              </p:sp>
-            </p:grpSp>
-          </p:grpSp>
+                </a:endParaRPr>
+              </a:p>
+            </p:txBody>
+          </p:sp>
+          <p:sp>
+            <p:nvSpPr>
+              <p:cNvPr id="65" name="Rectangle 64"/>
+              <p:cNvSpPr/>
+              <p:nvPr/>
+            </p:nvSpPr>
+            <p:spPr>
+              <a:xfrm>
+                <a:off x="4112290" y="508572"/>
+                <a:ext cx="475736" cy="68053"/>
+              </a:xfrm>
+              <a:prstGeom prst="rect">
+                <a:avLst/>
+              </a:prstGeom>
+              <a:solidFill>
+                <a:schemeClr val="accent4">
+                  <a:lumMod val="60000"/>
+                  <a:lumOff val="40000"/>
+                </a:schemeClr>
+              </a:solidFill>
+            </p:spPr>
+            <p:style>
+              <a:lnRef idx="2">
+                <a:schemeClr val="accent1">
+                  <a:shade val="50000"/>
+                </a:schemeClr>
+              </a:lnRef>
+              <a:fillRef idx="1">
+                <a:schemeClr val="accent1"/>
+              </a:fillRef>
+              <a:effectRef idx="0">
+                <a:schemeClr val="accent1"/>
+              </a:effectRef>
+              <a:fontRef idx="minor">
+                <a:schemeClr val="lt1"/>
+              </a:fontRef>
+            </p:style>
+            <p:txBody>
+              <a:bodyPr rtlCol="0" anchor="ctr"/>
+              <a:lstStyle/>
+              <a:p>
+                <a:pPr algn="ctr"/>
+                <a:endParaRPr lang="en-US"/>
+              </a:p>
+            </p:txBody>
+          </p:sp>
+          <p:sp>
+            <p:nvSpPr>
+              <p:cNvPr id="68" name="Rectangle 67"/>
+              <p:cNvSpPr/>
+              <p:nvPr/>
+            </p:nvSpPr>
+            <p:spPr>
+              <a:xfrm flipV="1">
+                <a:off x="4788120" y="889153"/>
+                <a:ext cx="457190" cy="57257"/>
+              </a:xfrm>
+              <a:prstGeom prst="rect">
+                <a:avLst/>
+              </a:prstGeom>
+              <a:solidFill>
+                <a:srgbClr val="00B0F0"/>
+              </a:solidFill>
+            </p:spPr>
+            <p:style>
+              <a:lnRef idx="2">
+                <a:schemeClr val="accent1">
+                  <a:shade val="50000"/>
+                </a:schemeClr>
+              </a:lnRef>
+              <a:fillRef idx="1">
+                <a:schemeClr val="accent1"/>
+              </a:fillRef>
+              <a:effectRef idx="0">
+                <a:schemeClr val="accent1"/>
+              </a:effectRef>
+              <a:fontRef idx="minor">
+                <a:schemeClr val="lt1"/>
+              </a:fontRef>
+            </p:style>
+            <p:txBody>
+              <a:bodyPr rtlCol="0" anchor="ctr"/>
+              <a:lstStyle/>
+              <a:p>
+                <a:pPr algn="ctr"/>
+                <a:endParaRPr lang="en-US"/>
+              </a:p>
+            </p:txBody>
+          </p:sp>
+          <p:sp>
+            <p:nvSpPr>
+              <p:cNvPr id="69" name="Rectangle 68"/>
+              <p:cNvSpPr/>
+              <p:nvPr/>
+            </p:nvSpPr>
+            <p:spPr>
+              <a:xfrm>
+                <a:off x="4783021" y="786498"/>
+                <a:ext cx="462428" cy="97857"/>
+              </a:xfrm>
+              <a:prstGeom prst="rect">
+                <a:avLst/>
+              </a:prstGeom>
+              <a:solidFill>
+                <a:schemeClr val="accent4">
+                  <a:lumMod val="60000"/>
+                  <a:lumOff val="40000"/>
+                </a:schemeClr>
+              </a:solidFill>
+            </p:spPr>
+            <p:style>
+              <a:lnRef idx="2">
+                <a:schemeClr val="accent1">
+                  <a:shade val="50000"/>
+                </a:schemeClr>
+              </a:lnRef>
+              <a:fillRef idx="1">
+                <a:schemeClr val="accent1"/>
+              </a:fillRef>
+              <a:effectRef idx="0">
+                <a:schemeClr val="accent1"/>
+              </a:effectRef>
+              <a:fontRef idx="minor">
+                <a:schemeClr val="lt1"/>
+              </a:fontRef>
+            </p:style>
+            <p:txBody>
+              <a:bodyPr rtlCol="0" anchor="ctr"/>
+              <a:lstStyle/>
+              <a:p>
+                <a:pPr algn="ctr"/>
+                <a:endParaRPr lang="en-US"/>
+              </a:p>
+            </p:txBody>
+          </p:sp>
         </p:grpSp>
       </p:grpSp>
       <p:sp>
@@ -6365,7 +6318,7 @@
         </p:nvSpPr>
         <p:spPr>
           <a:xfrm>
-            <a:off x="3816677" y="1123524"/>
+            <a:off x="3817689" y="1200251"/>
             <a:ext cx="446479" cy="186269"/>
           </a:xfrm>
           <a:prstGeom prst="rect">
@@ -6398,12 +6351,12 @@
           <a:p>
             <a:pPr algn="ctr"/>
             <a:r>
-              <a:rPr lang="en-US" sz="1200" b="1" dirty="0" smtClean="0">
+              <a:rPr lang="en-US" sz="1200" b="1" dirty="0">
                 <a:solidFill>
                   <a:schemeClr val="tx1"/>
                 </a:solidFill>
               </a:rPr>
-              <a:t>6</a:t>
+              <a:t>3</a:t>
             </a:r>
             <a:endParaRPr lang="en-US" sz="1200" b="1" dirty="0">
               <a:solidFill>
@@ -6750,7 +6703,7 @@
                   <a:schemeClr val="tx1"/>
                 </a:solidFill>
               </a:rPr>
-              <a:t>12</a:t>
+              <a:t>18</a:t>
             </a:r>
             <a:endParaRPr lang="en-US" sz="1200" b="1" dirty="0">
               <a:solidFill>
@@ -6768,7 +6721,7 @@
         </p:nvSpPr>
         <p:spPr>
           <a:xfrm>
-            <a:off x="3873405" y="398152"/>
+            <a:off x="3874231" y="568936"/>
             <a:ext cx="362597" cy="385914"/>
           </a:xfrm>
           <a:prstGeom prst="rect">
@@ -6947,8 +6900,8 @@
         </p:nvSpPr>
         <p:spPr>
           <a:xfrm>
-            <a:off x="3166405" y="1158855"/>
-            <a:ext cx="466476" cy="182499"/>
+            <a:off x="3157064" y="1168376"/>
+            <a:ext cx="475818" cy="193666"/>
           </a:xfrm>
           <a:prstGeom prst="rect">
             <a:avLst/>
@@ -7016,8 +6969,8 @@
         </p:nvSpPr>
         <p:spPr>
           <a:xfrm>
-            <a:off x="757625" y="2114872"/>
-            <a:ext cx="3360154" cy="291042"/>
+            <a:off x="301007" y="2114872"/>
+            <a:ext cx="4150320" cy="286868"/>
           </a:xfrm>
           <a:prstGeom prst="rect">
             <a:avLst/>
@@ -7051,7 +7004,7 @@
           <a:p>
             <a:pPr algn="ctr"/>
             <a:r>
-              <a:rPr lang="en-US" sz="1400" b="1" dirty="0" smtClean="0">
+              <a:rPr lang="en-US" sz="1600" b="1" dirty="0" smtClean="0">
                 <a:solidFill>
                   <a:schemeClr val="tx1"/>
                 </a:solidFill>
@@ -7061,6 +7014,767 @@
           </a:p>
         </p:txBody>
       </p:sp>
+      <p:sp>
+        <p:nvSpPr>
+          <p:cNvPr id="77" name="Rectangle 76"/>
+          <p:cNvSpPr/>
+          <p:nvPr/>
+        </p:nvSpPr>
+        <p:spPr>
+          <a:xfrm>
+            <a:off x="3830757" y="1276782"/>
+            <a:ext cx="446479" cy="235326"/>
+          </a:xfrm>
+          <a:prstGeom prst="rect">
+            <a:avLst/>
+          </a:prstGeom>
+          <a:noFill/>
+          <a:ln>
+            <a:noFill/>
+          </a:ln>
+        </p:spPr>
+        <p:style>
+          <a:lnRef idx="2">
+            <a:schemeClr val="accent1">
+              <a:shade val="50000"/>
+            </a:schemeClr>
+          </a:lnRef>
+          <a:fillRef idx="1">
+            <a:schemeClr val="accent1"/>
+          </a:fillRef>
+          <a:effectRef idx="0">
+            <a:schemeClr val="accent1"/>
+          </a:effectRef>
+          <a:fontRef idx="minor">
+            <a:schemeClr val="lt1"/>
+          </a:fontRef>
+        </p:style>
+        <p:txBody>
+          <a:bodyPr rtlCol="0" anchor="ctr"/>
+          <a:lstStyle/>
+          <a:p>
+            <a:pPr algn="ctr"/>
+            <a:r>
+              <a:rPr lang="en-US" sz="1200" b="1" dirty="0" smtClean="0">
+                <a:solidFill>
+                  <a:schemeClr val="tx1"/>
+                </a:solidFill>
+              </a:rPr>
+              <a:t>2</a:t>
+            </a:r>
+            <a:endParaRPr lang="en-US" sz="1200" b="1" dirty="0">
+              <a:solidFill>
+                <a:schemeClr val="tx1"/>
+              </a:solidFill>
+            </a:endParaRPr>
+          </a:p>
+        </p:txBody>
+      </p:sp>
+      <p:sp>
+        <p:nvSpPr>
+          <p:cNvPr id="82" name="Rectangle 81"/>
+          <p:cNvSpPr/>
+          <p:nvPr/>
+        </p:nvSpPr>
+        <p:spPr>
+          <a:xfrm>
+            <a:off x="3177755" y="1121904"/>
+            <a:ext cx="446479" cy="235326"/>
+          </a:xfrm>
+          <a:prstGeom prst="rect">
+            <a:avLst/>
+          </a:prstGeom>
+          <a:noFill/>
+          <a:ln>
+            <a:noFill/>
+          </a:ln>
+        </p:spPr>
+        <p:style>
+          <a:lnRef idx="2">
+            <a:schemeClr val="accent1">
+              <a:shade val="50000"/>
+            </a:schemeClr>
+          </a:lnRef>
+          <a:fillRef idx="1">
+            <a:schemeClr val="accent1"/>
+          </a:fillRef>
+          <a:effectRef idx="0">
+            <a:schemeClr val="accent1"/>
+          </a:effectRef>
+          <a:fontRef idx="minor">
+            <a:schemeClr val="lt1"/>
+          </a:fontRef>
+        </p:style>
+        <p:txBody>
+          <a:bodyPr rtlCol="0" anchor="ctr"/>
+          <a:lstStyle/>
+          <a:p>
+            <a:pPr algn="ctr"/>
+            <a:r>
+              <a:rPr lang="en-US" sz="1200" b="1" dirty="0">
+                <a:solidFill>
+                  <a:schemeClr val="tx1"/>
+                </a:solidFill>
+              </a:rPr>
+              <a:t>4</a:t>
+            </a:r>
+            <a:endParaRPr lang="en-US" sz="1200" b="1" dirty="0">
+              <a:solidFill>
+                <a:schemeClr val="tx1"/>
+              </a:solidFill>
+            </a:endParaRPr>
+          </a:p>
+        </p:txBody>
+      </p:sp>
+      <p:sp>
+        <p:nvSpPr>
+          <p:cNvPr id="92" name="Rectangle 91"/>
+          <p:cNvSpPr/>
+          <p:nvPr/>
+        </p:nvSpPr>
+        <p:spPr>
+          <a:xfrm>
+            <a:off x="3824964" y="880490"/>
+            <a:ext cx="446479" cy="235326"/>
+          </a:xfrm>
+          <a:prstGeom prst="rect">
+            <a:avLst/>
+          </a:prstGeom>
+          <a:noFill/>
+          <a:ln>
+            <a:noFill/>
+          </a:ln>
+        </p:spPr>
+        <p:style>
+          <a:lnRef idx="2">
+            <a:schemeClr val="accent1">
+              <a:shade val="50000"/>
+            </a:schemeClr>
+          </a:lnRef>
+          <a:fillRef idx="1">
+            <a:schemeClr val="accent1"/>
+          </a:fillRef>
+          <a:effectRef idx="0">
+            <a:schemeClr val="accent1"/>
+          </a:effectRef>
+          <a:fontRef idx="minor">
+            <a:schemeClr val="lt1"/>
+          </a:fontRef>
+        </p:style>
+        <p:txBody>
+          <a:bodyPr rtlCol="0" anchor="ctr"/>
+          <a:lstStyle/>
+          <a:p>
+            <a:pPr algn="ctr"/>
+            <a:r>
+              <a:rPr lang="en-US" sz="1200" b="1" dirty="0" smtClean="0">
+                <a:solidFill>
+                  <a:schemeClr val="tx1"/>
+                </a:solidFill>
+              </a:rPr>
+              <a:t>2</a:t>
+            </a:r>
+            <a:endParaRPr lang="en-US" sz="1200" b="1" dirty="0">
+              <a:solidFill>
+                <a:schemeClr val="tx1"/>
+              </a:solidFill>
+            </a:endParaRPr>
+          </a:p>
+        </p:txBody>
+      </p:sp>
+      <p:sp>
+        <p:nvSpPr>
+          <p:cNvPr id="93" name="Rectangle 92"/>
+          <p:cNvSpPr/>
+          <p:nvPr/>
+        </p:nvSpPr>
+        <p:spPr>
+          <a:xfrm>
+            <a:off x="4614753" y="1055263"/>
+            <a:ext cx="446479" cy="235326"/>
+          </a:xfrm>
+          <a:prstGeom prst="rect">
+            <a:avLst/>
+          </a:prstGeom>
+          <a:noFill/>
+          <a:ln>
+            <a:noFill/>
+          </a:ln>
+        </p:spPr>
+        <p:style>
+          <a:lnRef idx="2">
+            <a:schemeClr val="accent1">
+              <a:shade val="50000"/>
+            </a:schemeClr>
+          </a:lnRef>
+          <a:fillRef idx="1">
+            <a:schemeClr val="accent1"/>
+          </a:fillRef>
+          <a:effectRef idx="0">
+            <a:schemeClr val="accent1"/>
+          </a:effectRef>
+          <a:fontRef idx="minor">
+            <a:schemeClr val="lt1"/>
+          </a:fontRef>
+        </p:style>
+        <p:txBody>
+          <a:bodyPr rtlCol="0" anchor="ctr"/>
+          <a:lstStyle/>
+          <a:p>
+            <a:pPr algn="ctr"/>
+            <a:r>
+              <a:rPr lang="en-US" sz="1200" b="1" dirty="0">
+                <a:solidFill>
+                  <a:schemeClr val="tx1"/>
+                </a:solidFill>
+              </a:rPr>
+              <a:t>1</a:t>
+            </a:r>
+            <a:endParaRPr lang="en-US" sz="1200" b="1" dirty="0">
+              <a:solidFill>
+                <a:schemeClr val="tx1"/>
+              </a:solidFill>
+            </a:endParaRPr>
+          </a:p>
+        </p:txBody>
+      </p:sp>
+      <p:sp>
+        <p:nvSpPr>
+          <p:cNvPr id="94" name="Rectangle 93"/>
+          <p:cNvSpPr/>
+          <p:nvPr/>
+        </p:nvSpPr>
+        <p:spPr>
+          <a:xfrm>
+            <a:off x="3182079" y="1275920"/>
+            <a:ext cx="446479" cy="235326"/>
+          </a:xfrm>
+          <a:prstGeom prst="rect">
+            <a:avLst/>
+          </a:prstGeom>
+          <a:noFill/>
+          <a:ln>
+            <a:noFill/>
+          </a:ln>
+        </p:spPr>
+        <p:style>
+          <a:lnRef idx="2">
+            <a:schemeClr val="accent1">
+              <a:shade val="50000"/>
+            </a:schemeClr>
+          </a:lnRef>
+          <a:fillRef idx="1">
+            <a:schemeClr val="accent1"/>
+          </a:fillRef>
+          <a:effectRef idx="0">
+            <a:schemeClr val="accent1"/>
+          </a:effectRef>
+          <a:fontRef idx="minor">
+            <a:schemeClr val="lt1"/>
+          </a:fontRef>
+        </p:style>
+        <p:txBody>
+          <a:bodyPr rtlCol="0" anchor="ctr"/>
+          <a:lstStyle/>
+          <a:p>
+            <a:pPr algn="ctr"/>
+            <a:r>
+              <a:rPr lang="en-US" sz="1200" b="1" dirty="0" smtClean="0">
+                <a:solidFill>
+                  <a:schemeClr val="tx1"/>
+                </a:solidFill>
+              </a:rPr>
+              <a:t>2</a:t>
+            </a:r>
+            <a:endParaRPr lang="en-US" sz="1200" b="1" dirty="0">
+              <a:solidFill>
+                <a:schemeClr val="tx1"/>
+              </a:solidFill>
+            </a:endParaRPr>
+          </a:p>
+        </p:txBody>
+      </p:sp>
+      <p:sp>
+        <p:nvSpPr>
+          <p:cNvPr id="95" name="Rectangle 94"/>
+          <p:cNvSpPr/>
+          <p:nvPr/>
+        </p:nvSpPr>
+        <p:spPr>
+          <a:xfrm>
+            <a:off x="3828788" y="1121394"/>
+            <a:ext cx="461378" cy="79889"/>
+          </a:xfrm>
+          <a:prstGeom prst="rect">
+            <a:avLst/>
+          </a:prstGeom>
+          <a:solidFill>
+            <a:schemeClr val="accent3">
+              <a:lumMod val="40000"/>
+              <a:lumOff val="60000"/>
+            </a:schemeClr>
+          </a:solidFill>
+        </p:spPr>
+        <p:style>
+          <a:lnRef idx="2">
+            <a:schemeClr val="accent1">
+              <a:shade val="50000"/>
+            </a:schemeClr>
+          </a:lnRef>
+          <a:fillRef idx="1">
+            <a:schemeClr val="accent1"/>
+          </a:fillRef>
+          <a:effectRef idx="0">
+            <a:schemeClr val="accent1"/>
+          </a:effectRef>
+          <a:fontRef idx="minor">
+            <a:schemeClr val="lt1"/>
+          </a:fontRef>
+        </p:style>
+        <p:txBody>
+          <a:bodyPr rtlCol="0" anchor="ctr"/>
+          <a:lstStyle/>
+          <a:p>
+            <a:pPr algn="ctr"/>
+            <a:endParaRPr lang="en-US"/>
+          </a:p>
+        </p:txBody>
+      </p:sp>
+      <p:sp>
+        <p:nvSpPr>
+          <p:cNvPr id="96" name="Rectangle 95"/>
+          <p:cNvSpPr/>
+          <p:nvPr/>
+        </p:nvSpPr>
+        <p:spPr>
+          <a:xfrm>
+            <a:off x="3832291" y="1046464"/>
+            <a:ext cx="446479" cy="235326"/>
+          </a:xfrm>
+          <a:prstGeom prst="rect">
+            <a:avLst/>
+          </a:prstGeom>
+          <a:noFill/>
+          <a:ln>
+            <a:noFill/>
+          </a:ln>
+        </p:spPr>
+        <p:style>
+          <a:lnRef idx="2">
+            <a:schemeClr val="accent1">
+              <a:shade val="50000"/>
+            </a:schemeClr>
+          </a:lnRef>
+          <a:fillRef idx="1">
+            <a:schemeClr val="accent1"/>
+          </a:fillRef>
+          <a:effectRef idx="0">
+            <a:schemeClr val="accent1"/>
+          </a:effectRef>
+          <a:fontRef idx="minor">
+            <a:schemeClr val="lt1"/>
+          </a:fontRef>
+        </p:style>
+        <p:txBody>
+          <a:bodyPr rtlCol="0" anchor="ctr"/>
+          <a:lstStyle/>
+          <a:p>
+            <a:pPr algn="ctr"/>
+            <a:r>
+              <a:rPr lang="en-US" sz="1200" b="1" dirty="0">
+                <a:solidFill>
+                  <a:schemeClr val="tx1"/>
+                </a:solidFill>
+              </a:rPr>
+              <a:t>1</a:t>
+            </a:r>
+            <a:endParaRPr lang="en-US" sz="1200" b="1" dirty="0">
+              <a:solidFill>
+                <a:schemeClr val="tx1"/>
+              </a:solidFill>
+            </a:endParaRPr>
+          </a:p>
+        </p:txBody>
+      </p:sp>
+      <p:sp>
+        <p:nvSpPr>
+          <p:cNvPr id="97" name="Rectangle 96"/>
+          <p:cNvSpPr/>
+          <p:nvPr/>
+        </p:nvSpPr>
+        <p:spPr>
+          <a:xfrm>
+            <a:off x="3176964" y="507045"/>
+            <a:ext cx="446479" cy="235326"/>
+          </a:xfrm>
+          <a:prstGeom prst="rect">
+            <a:avLst/>
+          </a:prstGeom>
+          <a:noFill/>
+          <a:ln>
+            <a:noFill/>
+          </a:ln>
+        </p:spPr>
+        <p:style>
+          <a:lnRef idx="2">
+            <a:schemeClr val="accent1">
+              <a:shade val="50000"/>
+            </a:schemeClr>
+          </a:lnRef>
+          <a:fillRef idx="1">
+            <a:schemeClr val="accent1"/>
+          </a:fillRef>
+          <a:effectRef idx="0">
+            <a:schemeClr val="accent1"/>
+          </a:effectRef>
+          <a:fontRef idx="minor">
+            <a:schemeClr val="lt1"/>
+          </a:fontRef>
+        </p:style>
+        <p:txBody>
+          <a:bodyPr rtlCol="0" anchor="ctr"/>
+          <a:lstStyle/>
+          <a:p>
+            <a:pPr algn="ctr"/>
+            <a:r>
+              <a:rPr lang="en-US" sz="1200" b="1" dirty="0">
+                <a:solidFill>
+                  <a:schemeClr val="tx1"/>
+                </a:solidFill>
+              </a:rPr>
+              <a:t>1</a:t>
+            </a:r>
+            <a:endParaRPr lang="en-US" sz="1200" b="1" dirty="0">
+              <a:solidFill>
+                <a:schemeClr val="tx1"/>
+              </a:solidFill>
+            </a:endParaRPr>
+          </a:p>
+        </p:txBody>
+      </p:sp>
+      <p:sp>
+        <p:nvSpPr>
+          <p:cNvPr id="98" name="Rectangle 97"/>
+          <p:cNvSpPr/>
+          <p:nvPr/>
+        </p:nvSpPr>
+        <p:spPr>
+          <a:xfrm>
+            <a:off x="3179535" y="630012"/>
+            <a:ext cx="446479" cy="235326"/>
+          </a:xfrm>
+          <a:prstGeom prst="rect">
+            <a:avLst/>
+          </a:prstGeom>
+          <a:noFill/>
+          <a:ln>
+            <a:noFill/>
+          </a:ln>
+        </p:spPr>
+        <p:style>
+          <a:lnRef idx="2">
+            <a:schemeClr val="accent1">
+              <a:shade val="50000"/>
+            </a:schemeClr>
+          </a:lnRef>
+          <a:fillRef idx="1">
+            <a:schemeClr val="accent1"/>
+          </a:fillRef>
+          <a:effectRef idx="0">
+            <a:schemeClr val="accent1"/>
+          </a:effectRef>
+          <a:fontRef idx="minor">
+            <a:schemeClr val="lt1"/>
+          </a:fontRef>
+        </p:style>
+        <p:txBody>
+          <a:bodyPr rtlCol="0" anchor="ctr"/>
+          <a:lstStyle/>
+          <a:p>
+            <a:pPr algn="ctr"/>
+            <a:r>
+              <a:rPr lang="en-US" sz="1200" b="1" dirty="0">
+                <a:solidFill>
+                  <a:schemeClr val="tx1"/>
+                </a:solidFill>
+              </a:rPr>
+              <a:t>3</a:t>
+            </a:r>
+            <a:endParaRPr lang="en-US" sz="1200" b="1" dirty="0">
+              <a:solidFill>
+                <a:schemeClr val="tx1"/>
+              </a:solidFill>
+            </a:endParaRPr>
+          </a:p>
+        </p:txBody>
+      </p:sp>
+      <p:sp>
+        <p:nvSpPr>
+          <p:cNvPr id="99" name="Rectangle 98"/>
+          <p:cNvSpPr/>
+          <p:nvPr/>
+        </p:nvSpPr>
+        <p:spPr>
+          <a:xfrm>
+            <a:off x="3200635" y="2723643"/>
+            <a:ext cx="162678" cy="129749"/>
+          </a:xfrm>
+          <a:prstGeom prst="rect">
+            <a:avLst/>
+          </a:prstGeom>
+          <a:solidFill>
+            <a:srgbClr val="00B0F0"/>
+          </a:solidFill>
+        </p:spPr>
+        <p:style>
+          <a:lnRef idx="2">
+            <a:schemeClr val="accent1">
+              <a:shade val="50000"/>
+            </a:schemeClr>
+          </a:lnRef>
+          <a:fillRef idx="1">
+            <a:schemeClr val="accent1"/>
+          </a:fillRef>
+          <a:effectRef idx="0">
+            <a:schemeClr val="accent1"/>
+          </a:effectRef>
+          <a:fontRef idx="minor">
+            <a:schemeClr val="lt1"/>
+          </a:fontRef>
+        </p:style>
+        <p:txBody>
+          <a:bodyPr rtlCol="0" anchor="ctr"/>
+          <a:lstStyle/>
+          <a:p>
+            <a:pPr algn="ctr"/>
+            <a:endParaRPr lang="en-US" sz="1200" b="1">
+              <a:solidFill>
+                <a:schemeClr val="tx1"/>
+              </a:solidFill>
+            </a:endParaRPr>
+          </a:p>
+        </p:txBody>
+      </p:sp>
+      <p:sp>
+        <p:nvSpPr>
+          <p:cNvPr id="100" name="Rectangle 99"/>
+          <p:cNvSpPr/>
+          <p:nvPr/>
+        </p:nvSpPr>
+        <p:spPr>
+          <a:xfrm>
+            <a:off x="3276434" y="2610348"/>
+            <a:ext cx="841345" cy="325137"/>
+          </a:xfrm>
+          <a:prstGeom prst="rect">
+            <a:avLst/>
+          </a:prstGeom>
+          <a:noFill/>
+          <a:ln>
+            <a:noFill/>
+          </a:ln>
+        </p:spPr>
+        <p:style>
+          <a:lnRef idx="2">
+            <a:schemeClr val="accent1">
+              <a:shade val="50000"/>
+            </a:schemeClr>
+          </a:lnRef>
+          <a:fillRef idx="1">
+            <a:schemeClr val="accent1"/>
+          </a:fillRef>
+          <a:effectRef idx="0">
+            <a:schemeClr val="accent1"/>
+          </a:effectRef>
+          <a:fontRef idx="minor">
+            <a:schemeClr val="lt1"/>
+          </a:fontRef>
+        </p:style>
+        <p:txBody>
+          <a:bodyPr rtlCol="0" anchor="ctr"/>
+          <a:lstStyle/>
+          <a:p>
+            <a:pPr algn="ctr"/>
+            <a:r>
+              <a:rPr lang="en-US" sz="1400" dirty="0" smtClean="0">
+                <a:solidFill>
+                  <a:schemeClr val="tx1"/>
+                </a:solidFill>
+              </a:rPr>
+              <a:t>Design</a:t>
+            </a:r>
+            <a:endParaRPr lang="en-US" sz="1400" dirty="0">
+              <a:solidFill>
+                <a:schemeClr val="tx1"/>
+              </a:solidFill>
+            </a:endParaRPr>
+          </a:p>
+        </p:txBody>
+      </p:sp>
+      <p:sp>
+        <p:nvSpPr>
+          <p:cNvPr id="101" name="Rectangle 100"/>
+          <p:cNvSpPr/>
+          <p:nvPr/>
+        </p:nvSpPr>
+        <p:spPr>
+          <a:xfrm>
+            <a:off x="3811727" y="983999"/>
+            <a:ext cx="446479" cy="235326"/>
+          </a:xfrm>
+          <a:prstGeom prst="rect">
+            <a:avLst/>
+          </a:prstGeom>
+          <a:noFill/>
+          <a:ln>
+            <a:noFill/>
+          </a:ln>
+        </p:spPr>
+        <p:style>
+          <a:lnRef idx="2">
+            <a:schemeClr val="accent1">
+              <a:shade val="50000"/>
+            </a:schemeClr>
+          </a:lnRef>
+          <a:fillRef idx="1">
+            <a:schemeClr val="accent1"/>
+          </a:fillRef>
+          <a:effectRef idx="0">
+            <a:schemeClr val="accent1"/>
+          </a:effectRef>
+          <a:fontRef idx="minor">
+            <a:schemeClr val="lt1"/>
+          </a:fontRef>
+        </p:style>
+        <p:txBody>
+          <a:bodyPr rtlCol="0" anchor="ctr"/>
+          <a:lstStyle/>
+          <a:p>
+            <a:pPr algn="ctr"/>
+            <a:r>
+              <a:rPr lang="en-US" sz="1200" b="1" dirty="0">
+                <a:solidFill>
+                  <a:schemeClr val="tx1"/>
+                </a:solidFill>
+              </a:rPr>
+              <a:t>1</a:t>
+            </a:r>
+            <a:endParaRPr lang="en-US" sz="1200" b="1" dirty="0">
+              <a:solidFill>
+                <a:schemeClr val="tx1"/>
+              </a:solidFill>
+            </a:endParaRPr>
+          </a:p>
+        </p:txBody>
+      </p:sp>
+      <p:cxnSp>
+        <p:nvCxnSpPr>
+          <p:cNvPr id="3" name="Straight Arrow Connector 2"/>
+          <p:cNvCxnSpPr/>
+          <p:nvPr/>
+        </p:nvCxnSpPr>
+        <p:spPr>
+          <a:xfrm flipV="1">
+            <a:off x="836781" y="1302869"/>
+            <a:ext cx="233257" cy="68768"/>
+          </a:xfrm>
+          <a:prstGeom prst="straightConnector1">
+            <a:avLst/>
+          </a:prstGeom>
+          <a:ln w="28575">
+            <a:solidFill>
+              <a:srgbClr val="0070C0"/>
+            </a:solidFill>
+            <a:tailEnd type="triangle"/>
+          </a:ln>
+        </p:spPr>
+        <p:style>
+          <a:lnRef idx="1">
+            <a:schemeClr val="accent1"/>
+          </a:lnRef>
+          <a:fillRef idx="0">
+            <a:schemeClr val="accent1"/>
+          </a:fillRef>
+          <a:effectRef idx="0">
+            <a:schemeClr val="accent1"/>
+          </a:effectRef>
+          <a:fontRef idx="minor">
+            <a:schemeClr val="tx1"/>
+          </a:fontRef>
+        </p:style>
+      </p:cxnSp>
+      <p:cxnSp>
+        <p:nvCxnSpPr>
+          <p:cNvPr id="102" name="Straight Arrow Connector 101"/>
+          <p:cNvCxnSpPr/>
+          <p:nvPr/>
+        </p:nvCxnSpPr>
+        <p:spPr>
+          <a:xfrm>
+            <a:off x="2336353" y="912349"/>
+            <a:ext cx="183645" cy="108393"/>
+          </a:xfrm>
+          <a:prstGeom prst="straightConnector1">
+            <a:avLst/>
+          </a:prstGeom>
+          <a:ln w="28575">
+            <a:solidFill>
+              <a:srgbClr val="0070C0"/>
+            </a:solidFill>
+            <a:tailEnd type="triangle"/>
+          </a:ln>
+        </p:spPr>
+        <p:style>
+          <a:lnRef idx="1">
+            <a:schemeClr val="accent1"/>
+          </a:lnRef>
+          <a:fillRef idx="0">
+            <a:schemeClr val="accent1"/>
+          </a:fillRef>
+          <a:effectRef idx="0">
+            <a:schemeClr val="accent1"/>
+          </a:effectRef>
+          <a:fontRef idx="minor">
+            <a:schemeClr val="tx1"/>
+          </a:fontRef>
+        </p:style>
+      </p:cxnSp>
+      <p:cxnSp>
+        <p:nvCxnSpPr>
+          <p:cNvPr id="103" name="Straight Arrow Connector 102"/>
+          <p:cNvCxnSpPr/>
+          <p:nvPr/>
+        </p:nvCxnSpPr>
+        <p:spPr>
+          <a:xfrm>
+            <a:off x="3651203" y="582570"/>
+            <a:ext cx="166486" cy="281553"/>
+          </a:xfrm>
+          <a:prstGeom prst="straightConnector1">
+            <a:avLst/>
+          </a:prstGeom>
+          <a:ln w="28575">
+            <a:solidFill>
+              <a:srgbClr val="0070C0"/>
+            </a:solidFill>
+            <a:tailEnd type="triangle"/>
+          </a:ln>
+        </p:spPr>
+        <p:style>
+          <a:lnRef idx="1">
+            <a:schemeClr val="accent1"/>
+          </a:lnRef>
+          <a:fillRef idx="0">
+            <a:schemeClr val="accent1"/>
+          </a:fillRef>
+          <a:effectRef idx="0">
+            <a:schemeClr val="accent1"/>
+          </a:effectRef>
+          <a:fontRef idx="minor">
+            <a:schemeClr val="tx1"/>
+          </a:fontRef>
+        </p:style>
+      </p:cxnSp>
     </p:spTree>
     <p:extLst>
       <p:ext uri="{BB962C8B-B14F-4D97-AF65-F5344CB8AC3E}">
